--- a/system-analysis-design/slides/4-System Analysis and Design Course 2023 2nd Semester.pptx
+++ b/system-analysis-design/slides/4-System Analysis and Design Course 2023 2nd Semester.pptx
@@ -55,7 +55,7 @@
       <p:boldItalic r:id="rId35"/>
     </p:embeddedFont>
     <p:embeddedFont>
-      <p:font typeface="Roboto Condensed Light" panose="020F0302020204030204" pitchFamily="34" charset="0"/>
+      <p:font typeface="Roboto Condensed Light" panose="02000000000000000000" pitchFamily="2" charset="0"/>
       <p:regular r:id="rId36"/>
       <p:italic r:id="rId37"/>
     </p:embeddedFont>
@@ -30393,23 +30393,7 @@
                   <a:schemeClr val="tx1"/>
                 </a:solidFill>
               </a:rPr>
-              <a:t> (</a:t>
-            </a:r>
-            <a:r>
-              <a:rPr lang="en-US" sz="1200" dirty="0" err="1">
-                <a:solidFill>
-                  <a:schemeClr val="tx1"/>
-                </a:solidFill>
-              </a:rPr>
-              <a:t>marikotagawa@gmail.com</a:t>
-            </a:r>
-            <a:r>
-              <a:rPr lang="en-US" sz="1200" dirty="0">
-                <a:solidFill>
-                  <a:schemeClr val="tx1"/>
-                </a:solidFill>
-              </a:rPr>
-              <a:t>), JICA volunteer</a:t>
+              <a:t>, JICA volunteer</a:t>
             </a:r>
           </a:p>
         </p:txBody>
@@ -31490,30 +31474,18 @@
                 <a:ea typeface="MS PGothic" panose="020B0600070205080204" pitchFamily="34" charset="-128"/>
                 <a:hlinkClick r:id="rId3"/>
               </a:rPr>
-              <a:t>https://</a:t>
+              <a:t>https://forms.gle/7sKNw423ZGiS4v2F9</a:t>
             </a:r>
-            <a:r>
-              <a:rPr lang="en-US" sz="2000" dirty="0" err="1">
-                <a:solidFill>
-                  <a:schemeClr val="tx1"/>
-                </a:solidFill>
-                <a:latin typeface="MS PGothic" panose="020B0600070205080204" pitchFamily="34" charset="-128"/>
-                <a:ea typeface="MS PGothic" panose="020B0600070205080204" pitchFamily="34" charset="-128"/>
-                <a:hlinkClick r:id="rId3"/>
-              </a:rPr>
-              <a:t>forms.gle</a:t>
-            </a:r>
-            <a:r>
-              <a:rPr lang="en-US" sz="2000" dirty="0">
-                <a:solidFill>
-                  <a:schemeClr val="tx1"/>
-                </a:solidFill>
-                <a:latin typeface="MS PGothic" panose="020B0600070205080204" pitchFamily="34" charset="-128"/>
-                <a:ea typeface="MS PGothic" panose="020B0600070205080204" pitchFamily="34" charset="-128"/>
-                <a:hlinkClick r:id="rId3"/>
-              </a:rPr>
-              <a:t>/sjFMhLZsjZcLnW5n6</a:t>
-            </a:r>
+            <a:endParaRPr lang="en-US" sz="2000" dirty="0">
+              <a:solidFill>
+                <a:schemeClr val="tx1"/>
+              </a:solidFill>
+              <a:latin typeface="MS PGothic" panose="020B0600070205080204" pitchFamily="34" charset="-128"/>
+              <a:ea typeface="MS PGothic" panose="020B0600070205080204" pitchFamily="34" charset="-128"/>
+            </a:endParaRPr>
+          </a:p>
+          <a:p>
+            <a:pPr marL="139700"/>
             <a:endParaRPr lang="en-US" sz="2000" dirty="0">
               <a:solidFill>
                 <a:schemeClr val="tx1"/>
@@ -37085,30 +37057,18 @@
                 <a:ea typeface="MS PGothic" panose="020B0600070205080204" pitchFamily="34" charset="-128"/>
                 <a:hlinkClick r:id="rId3"/>
               </a:rPr>
-              <a:t>https://</a:t>
+              <a:t>https://forms.gle/9YgR85mvYxw42bFR8</a:t>
             </a:r>
-            <a:r>
-              <a:rPr lang="en-US" sz="2000" dirty="0" err="1">
-                <a:solidFill>
-                  <a:schemeClr val="tx1"/>
-                </a:solidFill>
-                <a:latin typeface="MS PGothic" panose="020B0600070205080204" pitchFamily="34" charset="-128"/>
-                <a:ea typeface="MS PGothic" panose="020B0600070205080204" pitchFamily="34" charset="-128"/>
-                <a:hlinkClick r:id="rId3"/>
-              </a:rPr>
-              <a:t>forms.gle</a:t>
-            </a:r>
-            <a:r>
-              <a:rPr lang="en-US" sz="2000" dirty="0">
-                <a:solidFill>
-                  <a:schemeClr val="tx1"/>
-                </a:solidFill>
-                <a:latin typeface="MS PGothic" panose="020B0600070205080204" pitchFamily="34" charset="-128"/>
-                <a:ea typeface="MS PGothic" panose="020B0600070205080204" pitchFamily="34" charset="-128"/>
-                <a:hlinkClick r:id="rId3"/>
-              </a:rPr>
-              <a:t>/zTh3iZsSLagzwoe19</a:t>
-            </a:r>
+            <a:endParaRPr lang="en-US" sz="2000" dirty="0">
+              <a:solidFill>
+                <a:schemeClr val="tx1"/>
+              </a:solidFill>
+              <a:latin typeface="MS PGothic" panose="020B0600070205080204" pitchFamily="34" charset="-128"/>
+              <a:ea typeface="MS PGothic" panose="020B0600070205080204" pitchFamily="34" charset="-128"/>
+            </a:endParaRPr>
+          </a:p>
+          <a:p>
+            <a:pPr marL="139700"/>
             <a:endParaRPr lang="en-US" sz="2000" dirty="0">
               <a:solidFill>
                 <a:schemeClr val="tx1"/>
@@ -37825,7 +37785,7 @@
             </a:lvl9pPr>
           </a:lstStyle>
           <a:p>
-            <a:pPr>
+            <a:pPr marL="360362" lvl="1">
               <a:spcBef>
                 <a:spcPts val="600"/>
               </a:spcBef>
@@ -37833,11 +37793,11 @@
                 <a:spcPts val="600"/>
               </a:spcAft>
               <a:buClr>
-                <a:schemeClr val="bg1"/>
+                <a:schemeClr val="tx1"/>
               </a:buClr>
             </a:pPr>
             <a:r>
-              <a:rPr lang="en-US" altLang="ja-JP" sz="2000" dirty="0">
+              <a:rPr lang="en-US" altLang="ja-JP" sz="1800" dirty="0">
                 <a:solidFill>
                   <a:schemeClr val="tx1"/>
                 </a:solidFill>
@@ -37845,34 +37805,33 @@
                 <a:ea typeface="MS PGothic" panose="020B0600070205080204" pitchFamily="34" charset="-128"/>
                 <a:hlinkClick r:id="rId3"/>
               </a:rPr>
-              <a:t>https://</a:t>
+              <a:t>https://forms.gle/s4eqz46fGHPYdsot7</a:t>
             </a:r>
-            <a:r>
-              <a:rPr lang="en-US" altLang="ja-JP" sz="2000" dirty="0" err="1">
-                <a:solidFill>
-                  <a:schemeClr val="tx1"/>
-                </a:solidFill>
-                <a:latin typeface="MS PGothic" panose="020B0600070205080204" pitchFamily="34" charset="-128"/>
-                <a:ea typeface="MS PGothic" panose="020B0600070205080204" pitchFamily="34" charset="-128"/>
-                <a:hlinkClick r:id="rId3"/>
-              </a:rPr>
-              <a:t>forms.gle</a:t>
-            </a:r>
-            <a:r>
-              <a:rPr lang="en-US" altLang="ja-JP" sz="2000" dirty="0">
-                <a:solidFill>
-                  <a:schemeClr val="tx1"/>
-                </a:solidFill>
-                <a:latin typeface="MS PGothic" panose="020B0600070205080204" pitchFamily="34" charset="-128"/>
-                <a:ea typeface="MS PGothic" panose="020B0600070205080204" pitchFamily="34" charset="-128"/>
-                <a:hlinkClick r:id="rId3"/>
-              </a:rPr>
-              <a:t>/PJfdfd3Rp4yD1JDW6</a:t>
-            </a:r>
-            <a:endParaRPr lang="en-US" altLang="ja-JP" sz="2000" dirty="0">
+            <a:endParaRPr lang="en-US" altLang="ja-JP" sz="1800" dirty="0">
               <a:solidFill>
                 <a:schemeClr val="tx1"/>
               </a:solidFill>
+              <a:latin typeface="MS PGothic" panose="020B0600070205080204" pitchFamily="34" charset="-128"/>
+              <a:ea typeface="MS PGothic" panose="020B0600070205080204" pitchFamily="34" charset="-128"/>
+            </a:endParaRPr>
+          </a:p>
+          <a:p>
+            <a:pPr marL="360362" lvl="1">
+              <a:spcBef>
+                <a:spcPts val="600"/>
+              </a:spcBef>
+              <a:spcAft>
+                <a:spcPts val="600"/>
+              </a:spcAft>
+              <a:buClr>
+                <a:schemeClr val="tx1"/>
+              </a:buClr>
+            </a:pPr>
+            <a:endParaRPr lang="en-US" altLang="ja-JP" sz="1800" b="0" i="0" dirty="0">
+              <a:solidFill>
+                <a:schemeClr val="tx1"/>
+              </a:solidFill>
+              <a:effectLst/>
               <a:latin typeface="MS PGothic" panose="020B0600070205080204" pitchFamily="34" charset="-128"/>
               <a:ea typeface="MS PGothic" panose="020B0600070205080204" pitchFamily="34" charset="-128"/>
             </a:endParaRPr>
